--- a/Prueba Técnica proceso de selección Banco de Bogotá.pptx
+++ b/Prueba Técnica proceso de selección Banco de Bogotá.pptx
@@ -4,6 +4,9 @@
   <p:sldMasterIdLst>
     <p:sldMasterId id="2147483699" r:id="rId1"/>
   </p:sldMasterIdLst>
+  <p:notesMasterIdLst>
+    <p:notesMasterId r:id="rId8"/>
+  </p:notesMasterIdLst>
   <p:sldIdLst>
     <p:sldId id="256" r:id="rId2"/>
     <p:sldId id="257" r:id="rId3"/>
@@ -110,6 +113,440 @@
     </a:lvl9pPr>
   </p:defaultTextStyle>
 </p:presentation>
+</file>
+
+<file path=ppt/notesMasters/notesMaster1.xml><?xml version="1.0" encoding="utf-8"?>
+<p:notesMaster xmlns:a="http://schemas.openxmlformats.org/drawingml/2006/main" xmlns:r="http://schemas.openxmlformats.org/officeDocument/2006/relationships" xmlns:p="http://schemas.openxmlformats.org/presentationml/2006/main">
+  <p:cSld>
+    <p:bg>
+      <p:bgRef idx="1001">
+        <a:schemeClr val="bg1"/>
+      </p:bgRef>
+    </p:bg>
+    <p:spTree>
+      <p:nvGrpSpPr>
+        <p:cNvPr id="1" name=""/>
+        <p:cNvGrpSpPr/>
+        <p:nvPr/>
+      </p:nvGrpSpPr>
+      <p:grpSpPr>
+        <a:xfrm>
+          <a:off x="0" y="0"/>
+          <a:ext cx="0" cy="0"/>
+          <a:chOff x="0" y="0"/>
+          <a:chExt cx="0" cy="0"/>
+        </a:xfrm>
+      </p:grpSpPr>
+      <p:sp>
+        <p:nvSpPr>
+          <p:cNvPr id="2" name="Marcador de encabezado 1"/>
+          <p:cNvSpPr>
+            <a:spLocks noGrp="1"/>
+          </p:cNvSpPr>
+          <p:nvPr>
+            <p:ph type="hdr" sz="quarter"/>
+          </p:nvPr>
+        </p:nvSpPr>
+        <p:spPr>
+          <a:xfrm>
+            <a:off x="0" y="0"/>
+            <a:ext cx="2971800" cy="458788"/>
+          </a:xfrm>
+          <a:prstGeom prst="rect">
+            <a:avLst/>
+          </a:prstGeom>
+        </p:spPr>
+        <p:txBody>
+          <a:bodyPr vert="horz" lIns="91440" tIns="45720" rIns="91440" bIns="45720" rtlCol="0"/>
+          <a:lstStyle>
+            <a:lvl1pPr algn="l">
+              <a:defRPr sz="1200"/>
+            </a:lvl1pPr>
+          </a:lstStyle>
+          <a:p>
+            <a:endParaRPr lang="es-CO"/>
+          </a:p>
+        </p:txBody>
+      </p:sp>
+      <p:sp>
+        <p:nvSpPr>
+          <p:cNvPr id="3" name="Marcador de fecha 2"/>
+          <p:cNvSpPr>
+            <a:spLocks noGrp="1"/>
+          </p:cNvSpPr>
+          <p:nvPr>
+            <p:ph type="dt" idx="1"/>
+          </p:nvPr>
+        </p:nvSpPr>
+        <p:spPr>
+          <a:xfrm>
+            <a:off x="3884613" y="0"/>
+            <a:ext cx="2971800" cy="458788"/>
+          </a:xfrm>
+          <a:prstGeom prst="rect">
+            <a:avLst/>
+          </a:prstGeom>
+        </p:spPr>
+        <p:txBody>
+          <a:bodyPr vert="horz" lIns="91440" tIns="45720" rIns="91440" bIns="45720" rtlCol="0"/>
+          <a:lstStyle>
+            <a:lvl1pPr algn="r">
+              <a:defRPr sz="1200"/>
+            </a:lvl1pPr>
+          </a:lstStyle>
+          <a:p>
+            <a:fld id="{285B12B9-64BA-4422-BDF6-935A7A96462E}" type="datetimeFigureOut">
+              <a:rPr lang="es-CO" smtClean="0"/>
+              <a:t>3/06/2025</a:t>
+            </a:fld>
+            <a:endParaRPr lang="es-CO"/>
+          </a:p>
+        </p:txBody>
+      </p:sp>
+      <p:sp>
+        <p:nvSpPr>
+          <p:cNvPr id="4" name="Marcador de imagen de diapositiva 3"/>
+          <p:cNvSpPr>
+            <a:spLocks noGrp="1" noRot="1" noChangeAspect="1"/>
+          </p:cNvSpPr>
+          <p:nvPr>
+            <p:ph type="sldImg" idx="2"/>
+          </p:nvPr>
+        </p:nvSpPr>
+        <p:spPr>
+          <a:xfrm>
+            <a:off x="685800" y="1143000"/>
+            <a:ext cx="5486400" cy="3086100"/>
+          </a:xfrm>
+          <a:prstGeom prst="rect">
+            <a:avLst/>
+          </a:prstGeom>
+          <a:noFill/>
+          <a:ln w="12700">
+            <a:solidFill>
+              <a:prstClr val="black"/>
+            </a:solidFill>
+          </a:ln>
+        </p:spPr>
+        <p:txBody>
+          <a:bodyPr vert="horz" lIns="91440" tIns="45720" rIns="91440" bIns="45720" rtlCol="0" anchor="ctr"/>
+          <a:lstStyle/>
+          <a:p>
+            <a:endParaRPr lang="es-CO"/>
+          </a:p>
+        </p:txBody>
+      </p:sp>
+      <p:sp>
+        <p:nvSpPr>
+          <p:cNvPr id="5" name="Marcador de notas 4"/>
+          <p:cNvSpPr>
+            <a:spLocks noGrp="1"/>
+          </p:cNvSpPr>
+          <p:nvPr>
+            <p:ph type="body" sz="quarter" idx="3"/>
+          </p:nvPr>
+        </p:nvSpPr>
+        <p:spPr>
+          <a:xfrm>
+            <a:off x="685800" y="4400550"/>
+            <a:ext cx="5486400" cy="3600450"/>
+          </a:xfrm>
+          <a:prstGeom prst="rect">
+            <a:avLst/>
+          </a:prstGeom>
+        </p:spPr>
+        <p:txBody>
+          <a:bodyPr vert="horz" lIns="91440" tIns="45720" rIns="91440" bIns="45720" rtlCol="0"/>
+          <a:lstStyle/>
+          <a:p>
+            <a:pPr lvl="0"/>
+            <a:r>
+              <a:rPr lang="es-ES"/>
+              <a:t>Haga clic para modificar los estilos de texto del patrón</a:t>
+            </a:r>
+          </a:p>
+          <a:p>
+            <a:pPr lvl="1"/>
+            <a:r>
+              <a:rPr lang="es-ES"/>
+              <a:t>Segundo nivel</a:t>
+            </a:r>
+          </a:p>
+          <a:p>
+            <a:pPr lvl="2"/>
+            <a:r>
+              <a:rPr lang="es-ES"/>
+              <a:t>Tercer nivel</a:t>
+            </a:r>
+          </a:p>
+          <a:p>
+            <a:pPr lvl="3"/>
+            <a:r>
+              <a:rPr lang="es-ES"/>
+              <a:t>Cuarto nivel</a:t>
+            </a:r>
+          </a:p>
+          <a:p>
+            <a:pPr lvl="4"/>
+            <a:r>
+              <a:rPr lang="es-ES"/>
+              <a:t>Quinto nivel</a:t>
+            </a:r>
+            <a:endParaRPr lang="es-CO"/>
+          </a:p>
+        </p:txBody>
+      </p:sp>
+      <p:sp>
+        <p:nvSpPr>
+          <p:cNvPr id="6" name="Marcador de pie de página 5"/>
+          <p:cNvSpPr>
+            <a:spLocks noGrp="1"/>
+          </p:cNvSpPr>
+          <p:nvPr>
+            <p:ph type="ftr" sz="quarter" idx="4"/>
+          </p:nvPr>
+        </p:nvSpPr>
+        <p:spPr>
+          <a:xfrm>
+            <a:off x="0" y="8685213"/>
+            <a:ext cx="2971800" cy="458787"/>
+          </a:xfrm>
+          <a:prstGeom prst="rect">
+            <a:avLst/>
+          </a:prstGeom>
+        </p:spPr>
+        <p:txBody>
+          <a:bodyPr vert="horz" lIns="91440" tIns="45720" rIns="91440" bIns="45720" rtlCol="0" anchor="b"/>
+          <a:lstStyle>
+            <a:lvl1pPr algn="l">
+              <a:defRPr sz="1200"/>
+            </a:lvl1pPr>
+          </a:lstStyle>
+          <a:p>
+            <a:endParaRPr lang="es-CO"/>
+          </a:p>
+        </p:txBody>
+      </p:sp>
+      <p:sp>
+        <p:nvSpPr>
+          <p:cNvPr id="7" name="Marcador de número de diapositiva 6"/>
+          <p:cNvSpPr>
+            <a:spLocks noGrp="1"/>
+          </p:cNvSpPr>
+          <p:nvPr>
+            <p:ph type="sldNum" sz="quarter" idx="5"/>
+          </p:nvPr>
+        </p:nvSpPr>
+        <p:spPr>
+          <a:xfrm>
+            <a:off x="3884613" y="8685213"/>
+            <a:ext cx="2971800" cy="458787"/>
+          </a:xfrm>
+          <a:prstGeom prst="rect">
+            <a:avLst/>
+          </a:prstGeom>
+        </p:spPr>
+        <p:txBody>
+          <a:bodyPr vert="horz" lIns="91440" tIns="45720" rIns="91440" bIns="45720" rtlCol="0" anchor="b"/>
+          <a:lstStyle>
+            <a:lvl1pPr algn="r">
+              <a:defRPr sz="1200"/>
+            </a:lvl1pPr>
+          </a:lstStyle>
+          <a:p>
+            <a:fld id="{8CFDB015-A84F-47A0-B6F2-B8FB4E52B3F1}" type="slidenum">
+              <a:rPr lang="es-CO" smtClean="0"/>
+              <a:t>‹Nº›</a:t>
+            </a:fld>
+            <a:endParaRPr lang="es-CO"/>
+          </a:p>
+        </p:txBody>
+      </p:sp>
+    </p:spTree>
+    <p:extLst>
+      <p:ext uri="{BB962C8B-B14F-4D97-AF65-F5344CB8AC3E}">
+        <p14:creationId xmlns:p14="http://schemas.microsoft.com/office/powerpoint/2010/main" val="2808599783"/>
+      </p:ext>
+    </p:extLst>
+  </p:cSld>
+  <p:clrMap bg1="lt1" tx1="dk1" bg2="lt2" tx2="dk2" accent1="accent1" accent2="accent2" accent3="accent3" accent4="accent4" accent5="accent5" accent6="accent6" hlink="hlink" folHlink="folHlink"/>
+  <p:notesStyle>
+    <a:lvl1pPr marL="0" algn="l" defTabSz="914400" rtl="0" eaLnBrk="1" latinLnBrk="0" hangingPunct="1">
+      <a:defRPr sz="1200" kern="1200">
+        <a:solidFill>
+          <a:schemeClr val="tx1"/>
+        </a:solidFill>
+        <a:latin typeface="+mn-lt"/>
+        <a:ea typeface="+mn-ea"/>
+        <a:cs typeface="+mn-cs"/>
+      </a:defRPr>
+    </a:lvl1pPr>
+    <a:lvl2pPr marL="457200" algn="l" defTabSz="914400" rtl="0" eaLnBrk="1" latinLnBrk="0" hangingPunct="1">
+      <a:defRPr sz="1200" kern="1200">
+        <a:solidFill>
+          <a:schemeClr val="tx1"/>
+        </a:solidFill>
+        <a:latin typeface="+mn-lt"/>
+        <a:ea typeface="+mn-ea"/>
+        <a:cs typeface="+mn-cs"/>
+      </a:defRPr>
+    </a:lvl2pPr>
+    <a:lvl3pPr marL="914400" algn="l" defTabSz="914400" rtl="0" eaLnBrk="1" latinLnBrk="0" hangingPunct="1">
+      <a:defRPr sz="1200" kern="1200">
+        <a:solidFill>
+          <a:schemeClr val="tx1"/>
+        </a:solidFill>
+        <a:latin typeface="+mn-lt"/>
+        <a:ea typeface="+mn-ea"/>
+        <a:cs typeface="+mn-cs"/>
+      </a:defRPr>
+    </a:lvl3pPr>
+    <a:lvl4pPr marL="1371600" algn="l" defTabSz="914400" rtl="0" eaLnBrk="1" latinLnBrk="0" hangingPunct="1">
+      <a:defRPr sz="1200" kern="1200">
+        <a:solidFill>
+          <a:schemeClr val="tx1"/>
+        </a:solidFill>
+        <a:latin typeface="+mn-lt"/>
+        <a:ea typeface="+mn-ea"/>
+        <a:cs typeface="+mn-cs"/>
+      </a:defRPr>
+    </a:lvl4pPr>
+    <a:lvl5pPr marL="1828800" algn="l" defTabSz="914400" rtl="0" eaLnBrk="1" latinLnBrk="0" hangingPunct="1">
+      <a:defRPr sz="1200" kern="1200">
+        <a:solidFill>
+          <a:schemeClr val="tx1"/>
+        </a:solidFill>
+        <a:latin typeface="+mn-lt"/>
+        <a:ea typeface="+mn-ea"/>
+        <a:cs typeface="+mn-cs"/>
+      </a:defRPr>
+    </a:lvl5pPr>
+    <a:lvl6pPr marL="2286000" algn="l" defTabSz="914400" rtl="0" eaLnBrk="1" latinLnBrk="0" hangingPunct="1">
+      <a:defRPr sz="1200" kern="1200">
+        <a:solidFill>
+          <a:schemeClr val="tx1"/>
+        </a:solidFill>
+        <a:latin typeface="+mn-lt"/>
+        <a:ea typeface="+mn-ea"/>
+        <a:cs typeface="+mn-cs"/>
+      </a:defRPr>
+    </a:lvl6pPr>
+    <a:lvl7pPr marL="2743200" algn="l" defTabSz="914400" rtl="0" eaLnBrk="1" latinLnBrk="0" hangingPunct="1">
+      <a:defRPr sz="1200" kern="1200">
+        <a:solidFill>
+          <a:schemeClr val="tx1"/>
+        </a:solidFill>
+        <a:latin typeface="+mn-lt"/>
+        <a:ea typeface="+mn-ea"/>
+        <a:cs typeface="+mn-cs"/>
+      </a:defRPr>
+    </a:lvl7pPr>
+    <a:lvl8pPr marL="3200400" algn="l" defTabSz="914400" rtl="0" eaLnBrk="1" latinLnBrk="0" hangingPunct="1">
+      <a:defRPr sz="1200" kern="1200">
+        <a:solidFill>
+          <a:schemeClr val="tx1"/>
+        </a:solidFill>
+        <a:latin typeface="+mn-lt"/>
+        <a:ea typeface="+mn-ea"/>
+        <a:cs typeface="+mn-cs"/>
+      </a:defRPr>
+    </a:lvl8pPr>
+    <a:lvl9pPr marL="3657600" algn="l" defTabSz="914400" rtl="0" eaLnBrk="1" latinLnBrk="0" hangingPunct="1">
+      <a:defRPr sz="1200" kern="1200">
+        <a:solidFill>
+          <a:schemeClr val="tx1"/>
+        </a:solidFill>
+        <a:latin typeface="+mn-lt"/>
+        <a:ea typeface="+mn-ea"/>
+        <a:cs typeface="+mn-cs"/>
+      </a:defRPr>
+    </a:lvl9pPr>
+  </p:notesStyle>
+</p:notesMaster>
+</file>
+
+<file path=ppt/notesSlides/notesSlide1.xml><?xml version="1.0" encoding="utf-8"?>
+<p:notes xmlns:a="http://schemas.openxmlformats.org/drawingml/2006/main" xmlns:r="http://schemas.openxmlformats.org/officeDocument/2006/relationships" xmlns:p="http://schemas.openxmlformats.org/presentationml/2006/main">
+  <p:cSld>
+    <p:spTree>
+      <p:nvGrpSpPr>
+        <p:cNvPr id="1" name=""/>
+        <p:cNvGrpSpPr/>
+        <p:nvPr/>
+      </p:nvGrpSpPr>
+      <p:grpSpPr>
+        <a:xfrm>
+          <a:off x="0" y="0"/>
+          <a:ext cx="0" cy="0"/>
+          <a:chOff x="0" y="0"/>
+          <a:chExt cx="0" cy="0"/>
+        </a:xfrm>
+      </p:grpSpPr>
+      <p:sp>
+        <p:nvSpPr>
+          <p:cNvPr id="2" name="Marcador de imagen de diapositiva 1"/>
+          <p:cNvSpPr>
+            <a:spLocks noGrp="1" noRot="1" noChangeAspect="1"/>
+          </p:cNvSpPr>
+          <p:nvPr>
+            <p:ph type="sldImg"/>
+          </p:nvPr>
+        </p:nvSpPr>
+        <p:spPr/>
+      </p:sp>
+      <p:sp>
+        <p:nvSpPr>
+          <p:cNvPr id="3" name="Marcador de notas 2"/>
+          <p:cNvSpPr>
+            <a:spLocks noGrp="1"/>
+          </p:cNvSpPr>
+          <p:nvPr>
+            <p:ph type="body" idx="1"/>
+          </p:nvPr>
+        </p:nvSpPr>
+        <p:spPr/>
+        <p:txBody>
+          <a:bodyPr/>
+          <a:lstStyle/>
+          <a:p>
+            <a:endParaRPr lang="es-CO" dirty="0"/>
+          </a:p>
+        </p:txBody>
+      </p:sp>
+      <p:sp>
+        <p:nvSpPr>
+          <p:cNvPr id="4" name="Marcador de número de diapositiva 3"/>
+          <p:cNvSpPr>
+            <a:spLocks noGrp="1"/>
+          </p:cNvSpPr>
+          <p:nvPr>
+            <p:ph type="sldNum" sz="quarter" idx="5"/>
+          </p:nvPr>
+        </p:nvSpPr>
+        <p:spPr/>
+        <p:txBody>
+          <a:bodyPr/>
+          <a:lstStyle/>
+          <a:p>
+            <a:fld id="{8CFDB015-A84F-47A0-B6F2-B8FB4E52B3F1}" type="slidenum">
+              <a:rPr lang="es-CO" smtClean="0"/>
+              <a:t>6</a:t>
+            </a:fld>
+            <a:endParaRPr lang="es-CO"/>
+          </a:p>
+        </p:txBody>
+      </p:sp>
+    </p:spTree>
+    <p:extLst>
+      <p:ext uri="{BB962C8B-B14F-4D97-AF65-F5344CB8AC3E}">
+        <p14:creationId xmlns:p14="http://schemas.microsoft.com/office/powerpoint/2010/main" val="534470277"/>
+      </p:ext>
+    </p:extLst>
+  </p:cSld>
+  <p:clrMapOvr>
+    <a:masterClrMapping/>
+  </p:clrMapOvr>
+</p:notes>
 </file>
 
 <file path=ppt/slideLayouts/slideLayout1.xml><?xml version="1.0" encoding="utf-8"?>
@@ -7354,6 +7791,286 @@
             <a:endParaRPr lang="es-CO" sz="1500" dirty="0">
               <a:solidFill>
                 <a:srgbClr val="00B050"/>
+              </a:solidFill>
+            </a:endParaRPr>
+          </a:p>
+        </p:txBody>
+      </p:sp>
+      <p:sp>
+        <p:nvSpPr>
+          <p:cNvPr id="28" name="Rectángulo 27">
+            <a:extLst>
+              <a:ext uri="{FF2B5EF4-FFF2-40B4-BE49-F238E27FC236}">
+                <a16:creationId xmlns:a16="http://schemas.microsoft.com/office/drawing/2014/main" id="{3472E7CC-84D9-8B97-40C7-EF67A771FD8C}"/>
+              </a:ext>
+            </a:extLst>
+          </p:cNvPr>
+          <p:cNvSpPr/>
+          <p:nvPr/>
+        </p:nvSpPr>
+        <p:spPr>
+          <a:xfrm>
+            <a:off x="7127669" y="3450657"/>
+            <a:ext cx="671575" cy="687106"/>
+          </a:xfrm>
+          <a:prstGeom prst="rect">
+            <a:avLst/>
+          </a:prstGeom>
+          <a:noFill/>
+          <a:ln>
+            <a:noFill/>
+          </a:ln>
+        </p:spPr>
+        <p:style>
+          <a:lnRef idx="2">
+            <a:schemeClr val="accent1">
+              <a:shade val="15000"/>
+            </a:schemeClr>
+          </a:lnRef>
+          <a:fillRef idx="1">
+            <a:schemeClr val="accent1"/>
+          </a:fillRef>
+          <a:effectRef idx="0">
+            <a:schemeClr val="accent1"/>
+          </a:effectRef>
+          <a:fontRef idx="minor">
+            <a:schemeClr val="lt1"/>
+          </a:fontRef>
+        </p:style>
+        <p:txBody>
+          <a:bodyPr rtlCol="0" anchor="ctr"/>
+          <a:lstStyle/>
+          <a:p>
+            <a:pPr algn="ctr"/>
+            <a:r>
+              <a:rPr lang="es-CO" sz="2400" dirty="0">
+                <a:solidFill>
+                  <a:schemeClr val="accent5"/>
+                </a:solidFill>
+              </a:rPr>
+              <a:t>36 </a:t>
+            </a:r>
+            <a:r>
+              <a:rPr lang="es-CO" sz="1100" dirty="0">
+                <a:solidFill>
+                  <a:schemeClr val="bg1"/>
+                </a:solidFill>
+              </a:rPr>
+              <a:t>datos</a:t>
+            </a:r>
+            <a:endParaRPr lang="es-CO" sz="1400" dirty="0">
+              <a:solidFill>
+                <a:schemeClr val="bg1"/>
+              </a:solidFill>
+            </a:endParaRPr>
+          </a:p>
+        </p:txBody>
+      </p:sp>
+      <p:sp>
+        <p:nvSpPr>
+          <p:cNvPr id="30" name="Rectángulo 29">
+            <a:extLst>
+              <a:ext uri="{FF2B5EF4-FFF2-40B4-BE49-F238E27FC236}">
+                <a16:creationId xmlns:a16="http://schemas.microsoft.com/office/drawing/2014/main" id="{C1563B59-3E34-1747-A72F-F8096EBCADB3}"/>
+              </a:ext>
+            </a:extLst>
+          </p:cNvPr>
+          <p:cNvSpPr/>
+          <p:nvPr/>
+        </p:nvSpPr>
+        <p:spPr>
+          <a:xfrm>
+            <a:off x="8280548" y="3225970"/>
+            <a:ext cx="671575" cy="687106"/>
+          </a:xfrm>
+          <a:prstGeom prst="rect">
+            <a:avLst/>
+          </a:prstGeom>
+          <a:noFill/>
+          <a:ln>
+            <a:noFill/>
+          </a:ln>
+        </p:spPr>
+        <p:style>
+          <a:lnRef idx="2">
+            <a:schemeClr val="accent1">
+              <a:shade val="15000"/>
+            </a:schemeClr>
+          </a:lnRef>
+          <a:fillRef idx="1">
+            <a:schemeClr val="accent1"/>
+          </a:fillRef>
+          <a:effectRef idx="0">
+            <a:schemeClr val="accent1"/>
+          </a:effectRef>
+          <a:fontRef idx="minor">
+            <a:schemeClr val="lt1"/>
+          </a:fontRef>
+        </p:style>
+        <p:txBody>
+          <a:bodyPr rtlCol="0" anchor="ctr"/>
+          <a:lstStyle/>
+          <a:p>
+            <a:pPr algn="ctr"/>
+            <a:r>
+              <a:rPr lang="es-CO" sz="2400" dirty="0">
+                <a:solidFill>
+                  <a:schemeClr val="accent5"/>
+                </a:solidFill>
+              </a:rPr>
+              <a:t>163 </a:t>
+            </a:r>
+            <a:r>
+              <a:rPr lang="es-CO" sz="1100" dirty="0">
+                <a:solidFill>
+                  <a:schemeClr val="bg1"/>
+                </a:solidFill>
+              </a:rPr>
+              <a:t>datos</a:t>
+            </a:r>
+            <a:endParaRPr lang="es-CO" sz="1400" dirty="0">
+              <a:solidFill>
+                <a:schemeClr val="bg1"/>
+              </a:solidFill>
+            </a:endParaRPr>
+          </a:p>
+        </p:txBody>
+      </p:sp>
+      <p:sp>
+        <p:nvSpPr>
+          <p:cNvPr id="31" name="Rectángulo 30">
+            <a:extLst>
+              <a:ext uri="{FF2B5EF4-FFF2-40B4-BE49-F238E27FC236}">
+                <a16:creationId xmlns:a16="http://schemas.microsoft.com/office/drawing/2014/main" id="{83CC5355-901B-9D4F-DAFD-0CF7B86478D1}"/>
+              </a:ext>
+            </a:extLst>
+          </p:cNvPr>
+          <p:cNvSpPr/>
+          <p:nvPr/>
+        </p:nvSpPr>
+        <p:spPr>
+          <a:xfrm>
+            <a:off x="9315450" y="2573704"/>
+            <a:ext cx="907017" cy="687106"/>
+          </a:xfrm>
+          <a:prstGeom prst="rect">
+            <a:avLst/>
+          </a:prstGeom>
+          <a:noFill/>
+          <a:ln>
+            <a:noFill/>
+          </a:ln>
+        </p:spPr>
+        <p:style>
+          <a:lnRef idx="2">
+            <a:schemeClr val="accent1">
+              <a:shade val="15000"/>
+            </a:schemeClr>
+          </a:lnRef>
+          <a:fillRef idx="1">
+            <a:schemeClr val="accent1"/>
+          </a:fillRef>
+          <a:effectRef idx="0">
+            <a:schemeClr val="accent1"/>
+          </a:effectRef>
+          <a:fontRef idx="minor">
+            <a:schemeClr val="lt1"/>
+          </a:fontRef>
+        </p:style>
+        <p:txBody>
+          <a:bodyPr rtlCol="0" anchor="ctr"/>
+          <a:lstStyle/>
+          <a:p>
+            <a:pPr algn="ctr"/>
+            <a:r>
+              <a:rPr lang="es-CO" sz="2400" dirty="0">
+                <a:solidFill>
+                  <a:schemeClr val="accent5"/>
+                </a:solidFill>
+              </a:rPr>
+              <a:t>1630 </a:t>
+            </a:r>
+            <a:r>
+              <a:rPr lang="es-CO" sz="1100" dirty="0">
+                <a:solidFill>
+                  <a:schemeClr val="bg1"/>
+                </a:solidFill>
+              </a:rPr>
+              <a:t>datos</a:t>
+            </a:r>
+            <a:endParaRPr lang="es-CO" sz="1400" dirty="0">
+              <a:solidFill>
+                <a:schemeClr val="bg1"/>
+              </a:solidFill>
+            </a:endParaRPr>
+          </a:p>
+        </p:txBody>
+      </p:sp>
+      <p:sp>
+        <p:nvSpPr>
+          <p:cNvPr id="32" name="Rectángulo 31">
+            <a:extLst>
+              <a:ext uri="{FF2B5EF4-FFF2-40B4-BE49-F238E27FC236}">
+                <a16:creationId xmlns:a16="http://schemas.microsoft.com/office/drawing/2014/main" id="{76399E13-2548-051F-56C3-C1765B1D3032}"/>
+              </a:ext>
+            </a:extLst>
+          </p:cNvPr>
+          <p:cNvSpPr/>
+          <p:nvPr/>
+        </p:nvSpPr>
+        <p:spPr>
+          <a:xfrm>
+            <a:off x="10456878" y="2368720"/>
+            <a:ext cx="907017" cy="687106"/>
+          </a:xfrm>
+          <a:prstGeom prst="rect">
+            <a:avLst/>
+          </a:prstGeom>
+          <a:noFill/>
+          <a:ln>
+            <a:noFill/>
+          </a:ln>
+        </p:spPr>
+        <p:style>
+          <a:lnRef idx="2">
+            <a:schemeClr val="accent1">
+              <a:shade val="15000"/>
+            </a:schemeClr>
+          </a:lnRef>
+          <a:fillRef idx="1">
+            <a:schemeClr val="accent1"/>
+          </a:fillRef>
+          <a:effectRef idx="0">
+            <a:schemeClr val="accent1"/>
+          </a:effectRef>
+          <a:fontRef idx="minor">
+            <a:schemeClr val="lt1"/>
+          </a:fontRef>
+        </p:style>
+        <p:txBody>
+          <a:bodyPr rtlCol="0" anchor="ctr"/>
+          <a:lstStyle/>
+          <a:p>
+            <a:pPr algn="ctr"/>
+            <a:r>
+              <a:rPr lang="es-CO" sz="2400" dirty="0">
+                <a:solidFill>
+                  <a:schemeClr val="accent5"/>
+                </a:solidFill>
+              </a:rPr>
+              <a:t>6058 </a:t>
+            </a:r>
+            <a:r>
+              <a:rPr lang="es-CO" sz="1100" dirty="0">
+                <a:solidFill>
+                  <a:schemeClr val="bg1"/>
+                </a:solidFill>
+              </a:rPr>
+              <a:t>datos</a:t>
+            </a:r>
+            <a:endParaRPr lang="es-CO" sz="1400" dirty="0">
+              <a:solidFill>
+                <a:schemeClr val="bg1"/>
               </a:solidFill>
             </a:endParaRPr>
           </a:p>
@@ -8635,18 +9352,13 @@
             <a:p>
               <a:pPr algn="ctr"/>
               <a:r>
-                <a:rPr lang="es-CO" b="1">
+                <a:rPr lang="es-CO" b="1" dirty="0">
                   <a:solidFill>
                     <a:schemeClr val="dk1"/>
                   </a:solidFill>
                 </a:rPr>
                 <a:t>208</a:t>
               </a:r>
-              <a:endParaRPr lang="es-CO" b="1" dirty="0">
-                <a:solidFill>
-                  <a:schemeClr val="dk1"/>
-                </a:solidFill>
-              </a:endParaRPr>
             </a:p>
             <a:p>
               <a:pPr algn="ctr"/>
@@ -8907,7 +9619,7 @@
                   <a:schemeClr val="tx1"/>
                 </a:solidFill>
               </a:rPr>
-              <a:t>2000</a:t>
+              <a:t>3000</a:t>
             </a:r>
           </a:p>
           <a:p>
@@ -8994,33 +9706,474 @@
           </a:p>
         </p:txBody>
       </p:sp>
-      <p:sp>
-        <p:nvSpPr>
-          <p:cNvPr id="3" name="Marcador de contenido 2">
-            <a:extLst>
-              <a:ext uri="{FF2B5EF4-FFF2-40B4-BE49-F238E27FC236}">
-                <a16:creationId xmlns:a16="http://schemas.microsoft.com/office/drawing/2014/main" id="{685FF760-68E0-FE9E-275B-323F8D7E0F85}"/>
-              </a:ext>
-            </a:extLst>
-          </p:cNvPr>
-          <p:cNvSpPr>
-            <a:spLocks noGrp="1"/>
-          </p:cNvSpPr>
-          <p:nvPr>
-            <p:ph idx="1"/>
-          </p:nvPr>
-        </p:nvSpPr>
-        <p:spPr>
-          <a:xfrm>
-            <a:off x="640080" y="1569308"/>
-            <a:ext cx="10890928" cy="4630324"/>
-          </a:xfrm>
-        </p:spPr>
-        <p:txBody>
-          <a:bodyPr/>
-          <a:lstStyle/>
-          <a:p>
-            <a:endParaRPr lang="es-CO" dirty="0"/>
+      <p:pic>
+        <p:nvPicPr>
+          <p:cNvPr id="4" name="Gráfico 3" descr="Robot con relleno sólido">
+            <a:extLst>
+              <a:ext uri="{FF2B5EF4-FFF2-40B4-BE49-F238E27FC236}">
+                <a16:creationId xmlns:a16="http://schemas.microsoft.com/office/drawing/2014/main" id="{ACB16CAD-496E-3040-C9D2-8D2FC17D4BB4}"/>
+              </a:ext>
+            </a:extLst>
+          </p:cNvPr>
+          <p:cNvPicPr>
+            <a:picLocks noChangeAspect="1"/>
+          </p:cNvPicPr>
+          <p:nvPr/>
+        </p:nvPicPr>
+        <p:blipFill>
+          <a:blip r:embed="rId2">
+            <a:extLst>
+              <a:ext uri="{96DAC541-7B7A-43D3-8B79-37D633B846F1}">
+                <asvg:svgBlip xmlns:asvg="http://schemas.microsoft.com/office/drawing/2016/SVG/main" r:embed="rId3"/>
+              </a:ext>
+            </a:extLst>
+          </a:blip>
+          <a:stretch>
+            <a:fillRect/>
+          </a:stretch>
+        </p:blipFill>
+        <p:spPr>
+          <a:xfrm>
+            <a:off x="523874" y="1566024"/>
+            <a:ext cx="1425858" cy="1527048"/>
+          </a:xfrm>
+          <a:prstGeom prst="rect">
+            <a:avLst/>
+          </a:prstGeom>
+        </p:spPr>
+      </p:pic>
+      <p:sp>
+        <p:nvSpPr>
+          <p:cNvPr id="7" name="Rectángulo: esquinas redondeadas 6">
+            <a:extLst>
+              <a:ext uri="{FF2B5EF4-FFF2-40B4-BE49-F238E27FC236}">
+                <a16:creationId xmlns:a16="http://schemas.microsoft.com/office/drawing/2014/main" id="{74D7E530-6797-F660-67B8-19EC85A5FECF}"/>
+              </a:ext>
+            </a:extLst>
+          </p:cNvPr>
+          <p:cNvSpPr/>
+          <p:nvPr/>
+        </p:nvSpPr>
+        <p:spPr>
+          <a:xfrm>
+            <a:off x="2032796" y="1683299"/>
+            <a:ext cx="9254326" cy="1292499"/>
+          </a:xfrm>
+          <a:prstGeom prst="roundRect">
+            <a:avLst/>
+          </a:prstGeom>
+          <a:noFill/>
+          <a:ln w="28575">
+            <a:solidFill>
+              <a:schemeClr val="accent1"/>
+            </a:solidFill>
+          </a:ln>
+        </p:spPr>
+        <p:style>
+          <a:lnRef idx="2">
+            <a:schemeClr val="accent1">
+              <a:shade val="15000"/>
+            </a:schemeClr>
+          </a:lnRef>
+          <a:fillRef idx="1">
+            <a:schemeClr val="accent1"/>
+          </a:fillRef>
+          <a:effectRef idx="0">
+            <a:schemeClr val="accent1"/>
+          </a:effectRef>
+          <a:fontRef idx="minor">
+            <a:schemeClr val="lt1"/>
+          </a:fontRef>
+        </p:style>
+        <p:txBody>
+          <a:bodyPr rtlCol="0" anchor="ctr"/>
+          <a:lstStyle/>
+          <a:p>
+            <a:pPr algn="ctr"/>
+            <a:r>
+              <a:rPr lang="es-CO" sz="1600" b="1" dirty="0">
+                <a:solidFill>
+                  <a:schemeClr val="tx1"/>
+                </a:solidFill>
+              </a:rPr>
+              <a:t>En cada entrenamiento la recompensa fue obtenida utilizando una validación cruzada con 3 grupos. Esto se realizó de esta manera porque se tenían pocos datos y se quería ver la estabilidad del modelo. </a:t>
+            </a:r>
+          </a:p>
+          <a:p>
+            <a:pPr algn="ctr"/>
+            <a:endParaRPr lang="es-CO" sz="1600" b="1" dirty="0">
+              <a:solidFill>
+                <a:schemeClr val="tx1"/>
+              </a:solidFill>
+            </a:endParaRPr>
+          </a:p>
+          <a:p>
+            <a:pPr algn="ctr"/>
+            <a:r>
+              <a:rPr lang="es-CO" sz="1600" b="1" dirty="0">
+                <a:solidFill>
+                  <a:schemeClr val="tx1"/>
+                </a:solidFill>
+              </a:rPr>
+              <a:t>En general se observó que a mayor cantidad de datos mayor estabilidad de la métrica en el CV.</a:t>
+            </a:r>
+          </a:p>
+        </p:txBody>
+      </p:sp>
+      <p:sp>
+        <p:nvSpPr>
+          <p:cNvPr id="8" name="Rectángulo: esquinas redondeadas 7">
+            <a:extLst>
+              <a:ext uri="{FF2B5EF4-FFF2-40B4-BE49-F238E27FC236}">
+                <a16:creationId xmlns:a16="http://schemas.microsoft.com/office/drawing/2014/main" id="{C7DD2BAE-4DBD-B37B-6CE2-8C5874B2C52D}"/>
+              </a:ext>
+            </a:extLst>
+          </p:cNvPr>
+          <p:cNvSpPr/>
+          <p:nvPr/>
+        </p:nvSpPr>
+        <p:spPr>
+          <a:xfrm>
+            <a:off x="3490912" y="1197122"/>
+            <a:ext cx="4733925" cy="301752"/>
+          </a:xfrm>
+          <a:prstGeom prst="roundRect">
+            <a:avLst/>
+          </a:prstGeom>
+          <a:noFill/>
+          <a:ln>
+            <a:noFill/>
+          </a:ln>
+        </p:spPr>
+        <p:style>
+          <a:lnRef idx="2">
+            <a:schemeClr val="accent1">
+              <a:shade val="15000"/>
+            </a:schemeClr>
+          </a:lnRef>
+          <a:fillRef idx="1">
+            <a:schemeClr val="accent1"/>
+          </a:fillRef>
+          <a:effectRef idx="0">
+            <a:schemeClr val="accent1"/>
+          </a:effectRef>
+          <a:fontRef idx="minor">
+            <a:schemeClr val="lt1"/>
+          </a:fontRef>
+        </p:style>
+        <p:txBody>
+          <a:bodyPr rtlCol="0" anchor="ctr"/>
+          <a:lstStyle/>
+          <a:p>
+            <a:pPr algn="ctr"/>
+            <a:r>
+              <a:rPr lang="es-CO" sz="2400" b="1" dirty="0">
+                <a:solidFill>
+                  <a:schemeClr val="accent1"/>
+                </a:solidFill>
+              </a:rPr>
+              <a:t>Entrenamiento del agente</a:t>
+            </a:r>
+          </a:p>
+        </p:txBody>
+      </p:sp>
+      <p:sp>
+        <p:nvSpPr>
+          <p:cNvPr id="9" name="Rectángulo: esquinas redondeadas 8">
+            <a:extLst>
+              <a:ext uri="{FF2B5EF4-FFF2-40B4-BE49-F238E27FC236}">
+                <a16:creationId xmlns:a16="http://schemas.microsoft.com/office/drawing/2014/main" id="{C973C327-9C21-2EAA-D992-E240D266637F}"/>
+              </a:ext>
+            </a:extLst>
+          </p:cNvPr>
+          <p:cNvSpPr/>
+          <p:nvPr/>
+        </p:nvSpPr>
+        <p:spPr>
+          <a:xfrm>
+            <a:off x="3095625" y="3301213"/>
+            <a:ext cx="5524501" cy="301752"/>
+          </a:xfrm>
+          <a:prstGeom prst="roundRect">
+            <a:avLst/>
+          </a:prstGeom>
+          <a:noFill/>
+          <a:ln>
+            <a:noFill/>
+          </a:ln>
+        </p:spPr>
+        <p:style>
+          <a:lnRef idx="2">
+            <a:schemeClr val="accent1">
+              <a:shade val="15000"/>
+            </a:schemeClr>
+          </a:lnRef>
+          <a:fillRef idx="1">
+            <a:schemeClr val="accent1"/>
+          </a:fillRef>
+          <a:effectRef idx="0">
+            <a:schemeClr val="accent1"/>
+          </a:effectRef>
+          <a:fontRef idx="minor">
+            <a:schemeClr val="lt1"/>
+          </a:fontRef>
+        </p:style>
+        <p:txBody>
+          <a:bodyPr rtlCol="0" anchor="ctr"/>
+          <a:lstStyle/>
+          <a:p>
+            <a:pPr algn="ctr"/>
+            <a:r>
+              <a:rPr lang="es-CO" sz="2400" b="1" dirty="0">
+                <a:solidFill>
+                  <a:schemeClr val="accent1"/>
+                </a:solidFill>
+              </a:rPr>
+              <a:t>Validación del modelo vs modelos base</a:t>
+            </a:r>
+          </a:p>
+        </p:txBody>
+      </p:sp>
+      <p:sp>
+        <p:nvSpPr>
+          <p:cNvPr id="10" name="Rectángulo: esquinas redondeadas 9">
+            <a:extLst>
+              <a:ext uri="{FF2B5EF4-FFF2-40B4-BE49-F238E27FC236}">
+                <a16:creationId xmlns:a16="http://schemas.microsoft.com/office/drawing/2014/main" id="{CBC03718-8F5D-C02D-EC03-DC74C2C963E9}"/>
+              </a:ext>
+            </a:extLst>
+          </p:cNvPr>
+          <p:cNvSpPr/>
+          <p:nvPr/>
+        </p:nvSpPr>
+        <p:spPr>
+          <a:xfrm rot="16200000">
+            <a:off x="74489" y="4683390"/>
+            <a:ext cx="1606677" cy="301752"/>
+          </a:xfrm>
+          <a:prstGeom prst="roundRect">
+            <a:avLst/>
+          </a:prstGeom>
+          <a:noFill/>
+          <a:ln>
+            <a:noFill/>
+          </a:ln>
+        </p:spPr>
+        <p:style>
+          <a:lnRef idx="2">
+            <a:schemeClr val="accent1">
+              <a:shade val="15000"/>
+            </a:schemeClr>
+          </a:lnRef>
+          <a:fillRef idx="1">
+            <a:schemeClr val="accent1"/>
+          </a:fillRef>
+          <a:effectRef idx="0">
+            <a:schemeClr val="accent1"/>
+          </a:effectRef>
+          <a:fontRef idx="minor">
+            <a:schemeClr val="lt1"/>
+          </a:fontRef>
+        </p:style>
+        <p:txBody>
+          <a:bodyPr rtlCol="0" anchor="ctr"/>
+          <a:lstStyle/>
+          <a:p>
+            <a:pPr algn="ctr"/>
+            <a:r>
+              <a:rPr lang="es-CO" sz="2400" b="1" dirty="0">
+                <a:solidFill>
+                  <a:schemeClr val="accent5"/>
+                </a:solidFill>
+              </a:rPr>
+              <a:t>RMSE</a:t>
+            </a:r>
+          </a:p>
+        </p:txBody>
+      </p:sp>
+      <p:sp>
+        <p:nvSpPr>
+          <p:cNvPr id="11" name="Rectángulo: esquinas redondeadas 10">
+            <a:extLst>
+              <a:ext uri="{FF2B5EF4-FFF2-40B4-BE49-F238E27FC236}">
+                <a16:creationId xmlns:a16="http://schemas.microsoft.com/office/drawing/2014/main" id="{58865C9D-E588-45C5-4788-E48D01F90A37}"/>
+              </a:ext>
+            </a:extLst>
+          </p:cNvPr>
+          <p:cNvSpPr/>
+          <p:nvPr/>
+        </p:nvSpPr>
+        <p:spPr>
+          <a:xfrm rot="16200000">
+            <a:off x="5742625" y="4760352"/>
+            <a:ext cx="1452753" cy="301752"/>
+          </a:xfrm>
+          <a:prstGeom prst="roundRect">
+            <a:avLst/>
+          </a:prstGeom>
+          <a:noFill/>
+          <a:ln>
+            <a:noFill/>
+          </a:ln>
+        </p:spPr>
+        <p:style>
+          <a:lnRef idx="2">
+            <a:schemeClr val="accent1">
+              <a:shade val="15000"/>
+            </a:schemeClr>
+          </a:lnRef>
+          <a:fillRef idx="1">
+            <a:schemeClr val="accent1"/>
+          </a:fillRef>
+          <a:effectRef idx="0">
+            <a:schemeClr val="accent1"/>
+          </a:effectRef>
+          <a:fontRef idx="minor">
+            <a:schemeClr val="lt1"/>
+          </a:fontRef>
+        </p:style>
+        <p:txBody>
+          <a:bodyPr rtlCol="0" anchor="ctr"/>
+          <a:lstStyle/>
+          <a:p>
+            <a:pPr algn="ctr"/>
+            <a:r>
+              <a:rPr lang="es-CO" sz="2400" b="1" dirty="0">
+                <a:solidFill>
+                  <a:schemeClr val="accent5"/>
+                </a:solidFill>
+              </a:rPr>
+              <a:t>MAPE</a:t>
+            </a:r>
+          </a:p>
+        </p:txBody>
+      </p:sp>
+      <p:pic>
+        <p:nvPicPr>
+          <p:cNvPr id="14" name="Imagen 13" descr="Gráfico, Gráfico de barras&#10;&#10;El contenido generado por IA puede ser incorrecto.">
+            <a:extLst>
+              <a:ext uri="{FF2B5EF4-FFF2-40B4-BE49-F238E27FC236}">
+                <a16:creationId xmlns:a16="http://schemas.microsoft.com/office/drawing/2014/main" id="{55583D71-415A-97C9-915F-72C24F8E8742}"/>
+              </a:ext>
+            </a:extLst>
+          </p:cNvPr>
+          <p:cNvPicPr>
+            <a:picLocks noChangeAspect="1"/>
+          </p:cNvPicPr>
+          <p:nvPr/>
+        </p:nvPicPr>
+        <p:blipFill>
+          <a:blip r:embed="rId4">
+            <a:extLst>
+              <a:ext uri="{28A0092B-C50C-407E-A947-70E740481C1C}">
+                <a14:useLocalDpi xmlns:a14="http://schemas.microsoft.com/office/drawing/2010/main" val="0"/>
+              </a:ext>
+            </a:extLst>
+          </a:blip>
+          <a:stretch>
+            <a:fillRect/>
+          </a:stretch>
+        </p:blipFill>
+        <p:spPr>
+          <a:xfrm>
+            <a:off x="1152525" y="3737730"/>
+            <a:ext cx="4419600" cy="2193074"/>
+          </a:xfrm>
+          <a:prstGeom prst="rect">
+            <a:avLst/>
+          </a:prstGeom>
+        </p:spPr>
+      </p:pic>
+      <p:pic>
+        <p:nvPicPr>
+          <p:cNvPr id="16" name="Imagen 15" descr="Gráfico, Gráfico de barras&#10;&#10;El contenido generado por IA puede ser incorrecto.">
+            <a:extLst>
+              <a:ext uri="{FF2B5EF4-FFF2-40B4-BE49-F238E27FC236}">
+                <a16:creationId xmlns:a16="http://schemas.microsoft.com/office/drawing/2014/main" id="{AFF3EDB7-103C-EBAE-38FA-FA8B310022A8}"/>
+              </a:ext>
+            </a:extLst>
+          </p:cNvPr>
+          <p:cNvPicPr>
+            <a:picLocks noChangeAspect="1"/>
+          </p:cNvPicPr>
+          <p:nvPr/>
+        </p:nvPicPr>
+        <p:blipFill>
+          <a:blip r:embed="rId5">
+            <a:extLst>
+              <a:ext uri="{28A0092B-C50C-407E-A947-70E740481C1C}">
+                <a14:useLocalDpi xmlns:a14="http://schemas.microsoft.com/office/drawing/2010/main" val="0"/>
+              </a:ext>
+            </a:extLst>
+          </a:blip>
+          <a:stretch>
+            <a:fillRect/>
+          </a:stretch>
+        </p:blipFill>
+        <p:spPr>
+          <a:xfrm>
+            <a:off x="6867522" y="3737731"/>
+            <a:ext cx="4419600" cy="2193073"/>
+          </a:xfrm>
+          <a:prstGeom prst="rect">
+            <a:avLst/>
+          </a:prstGeom>
+        </p:spPr>
+      </p:pic>
+      <p:sp>
+        <p:nvSpPr>
+          <p:cNvPr id="17" name="Rectángulo: esquinas redondeadas 16">
+            <a:extLst>
+              <a:ext uri="{FF2B5EF4-FFF2-40B4-BE49-F238E27FC236}">
+                <a16:creationId xmlns:a16="http://schemas.microsoft.com/office/drawing/2014/main" id="{5AC6FBA5-1ADE-7BD7-600C-D3101CA33D23}"/>
+              </a:ext>
+            </a:extLst>
+          </p:cNvPr>
+          <p:cNvSpPr/>
+          <p:nvPr/>
+        </p:nvSpPr>
+        <p:spPr>
+          <a:xfrm>
+            <a:off x="1028704" y="6019172"/>
+            <a:ext cx="10382776" cy="556288"/>
+          </a:xfrm>
+          <a:prstGeom prst="roundRect">
+            <a:avLst/>
+          </a:prstGeom>
+          <a:noFill/>
+          <a:ln w="28575">
+            <a:noFill/>
+          </a:ln>
+        </p:spPr>
+        <p:style>
+          <a:lnRef idx="2">
+            <a:schemeClr val="accent1">
+              <a:shade val="15000"/>
+            </a:schemeClr>
+          </a:lnRef>
+          <a:fillRef idx="1">
+            <a:schemeClr val="accent1"/>
+          </a:fillRef>
+          <a:effectRef idx="0">
+            <a:schemeClr val="accent1"/>
+          </a:effectRef>
+          <a:fontRef idx="minor">
+            <a:schemeClr val="lt1"/>
+          </a:fontRef>
+        </p:style>
+        <p:txBody>
+          <a:bodyPr rtlCol="0" anchor="ctr"/>
+          <a:lstStyle/>
+          <a:p>
+            <a:pPr algn="just"/>
+            <a:r>
+              <a:rPr lang="es-CO" sz="2000" dirty="0">
+                <a:solidFill>
+                  <a:schemeClr val="tx1"/>
+                </a:solidFill>
+              </a:rPr>
+              <a:t>El desempeño del agente es estable y no es tan volátil como otros modelos. En RMSE es casi siempre el mejor modelo</a:t>
+            </a:r>
           </a:p>
         </p:txBody>
       </p:sp>
@@ -9097,10 +10250,124 @@
       </p:sp>
       <p:sp>
         <p:nvSpPr>
-          <p:cNvPr id="3" name="Marcador de contenido 2">
-            <a:extLst>
-              <a:ext uri="{FF2B5EF4-FFF2-40B4-BE49-F238E27FC236}">
-                <a16:creationId xmlns:a16="http://schemas.microsoft.com/office/drawing/2014/main" id="{85C37938-9DDD-F39B-941D-313CB9C0807B}"/>
+          <p:cNvPr id="4" name="Rectángulo: esquinas redondeadas 3">
+            <a:extLst>
+              <a:ext uri="{FF2B5EF4-FFF2-40B4-BE49-F238E27FC236}">
+                <a16:creationId xmlns:a16="http://schemas.microsoft.com/office/drawing/2014/main" id="{1B6C5288-5CD5-C496-12AF-727B6667CB87}"/>
+              </a:ext>
+            </a:extLst>
+          </p:cNvPr>
+          <p:cNvSpPr/>
+          <p:nvPr/>
+        </p:nvSpPr>
+        <p:spPr>
+          <a:xfrm>
+            <a:off x="640079" y="1102789"/>
+            <a:ext cx="5170170" cy="301752"/>
+          </a:xfrm>
+          <a:prstGeom prst="roundRect">
+            <a:avLst/>
+          </a:prstGeom>
+          <a:noFill/>
+          <a:ln>
+            <a:noFill/>
+          </a:ln>
+        </p:spPr>
+        <p:style>
+          <a:lnRef idx="2">
+            <a:schemeClr val="accent1">
+              <a:shade val="15000"/>
+            </a:schemeClr>
+          </a:lnRef>
+          <a:fillRef idx="1">
+            <a:schemeClr val="accent1"/>
+          </a:fillRef>
+          <a:effectRef idx="0">
+            <a:schemeClr val="accent1"/>
+          </a:effectRef>
+          <a:fontRef idx="minor">
+            <a:schemeClr val="lt1"/>
+          </a:fontRef>
+        </p:style>
+        <p:txBody>
+          <a:bodyPr rtlCol="0" anchor="ctr"/>
+          <a:lstStyle/>
+          <a:p>
+            <a:pPr algn="ctr"/>
+            <a:r>
+              <a:rPr lang="es-CO" sz="2400" b="1" dirty="0">
+                <a:solidFill>
+                  <a:schemeClr val="accent1"/>
+                </a:solidFill>
+              </a:rPr>
+              <a:t>Importancia de características</a:t>
+            </a:r>
+          </a:p>
+        </p:txBody>
+      </p:sp>
+      <p:sp>
+        <p:nvSpPr>
+          <p:cNvPr id="5" name="Rectángulo: esquinas redondeadas 4">
+            <a:extLst>
+              <a:ext uri="{FF2B5EF4-FFF2-40B4-BE49-F238E27FC236}">
+                <a16:creationId xmlns:a16="http://schemas.microsoft.com/office/drawing/2014/main" id="{EC551B81-0EC7-1AA5-B6AE-669BC9A82FD2}"/>
+              </a:ext>
+            </a:extLst>
+          </p:cNvPr>
+          <p:cNvSpPr/>
+          <p:nvPr/>
+        </p:nvSpPr>
+        <p:spPr>
+          <a:xfrm>
+            <a:off x="6413160" y="1102789"/>
+            <a:ext cx="5170170" cy="301752"/>
+          </a:xfrm>
+          <a:prstGeom prst="roundRect">
+            <a:avLst/>
+          </a:prstGeom>
+          <a:noFill/>
+          <a:ln>
+            <a:noFill/>
+          </a:ln>
+        </p:spPr>
+        <p:style>
+          <a:lnRef idx="2">
+            <a:schemeClr val="accent1">
+              <a:shade val="15000"/>
+            </a:schemeClr>
+          </a:lnRef>
+          <a:fillRef idx="1">
+            <a:schemeClr val="accent1"/>
+          </a:fillRef>
+          <a:effectRef idx="0">
+            <a:schemeClr val="accent1"/>
+          </a:effectRef>
+          <a:fontRef idx="minor">
+            <a:schemeClr val="lt1"/>
+          </a:fontRef>
+        </p:style>
+        <p:txBody>
+          <a:bodyPr rtlCol="0" anchor="ctr"/>
+          <a:lstStyle/>
+          <a:p>
+            <a:pPr algn="ctr"/>
+            <a:r>
+              <a:rPr lang="es-CO" sz="2400" b="1" dirty="0">
+                <a:solidFill>
+                  <a:schemeClr val="accent1"/>
+                </a:solidFill>
+              </a:rPr>
+              <a:t>Conclusiones y recomendaciones</a:t>
+            </a:r>
+          </a:p>
+        </p:txBody>
+      </p:sp>
+      <p:sp>
+        <p:nvSpPr>
+          <p:cNvPr id="7" name="Marcador de contenido 6">
+            <a:extLst>
+              <a:ext uri="{FF2B5EF4-FFF2-40B4-BE49-F238E27FC236}">
+                <a16:creationId xmlns:a16="http://schemas.microsoft.com/office/drawing/2014/main" id="{5189B701-8021-D6AF-D32D-5D958D438E9F}"/>
               </a:ext>
             </a:extLst>
           </p:cNvPr>
@@ -9113,18 +10380,359 @@
         </p:nvSpPr>
         <p:spPr>
           <a:xfrm>
-            <a:off x="640080" y="1569308"/>
-            <a:ext cx="10890928" cy="4630324"/>
-          </a:xfrm>
-        </p:spPr>
-        <p:txBody>
-          <a:bodyPr/>
-          <a:lstStyle/>
-          <a:p>
+            <a:off x="472516" y="4688792"/>
+            <a:ext cx="5623484" cy="1978709"/>
+          </a:xfrm>
+        </p:spPr>
+        <p:txBody>
+          <a:bodyPr lIns="0" tIns="0" rIns="0" bIns="0">
+            <a:normAutofit/>
+          </a:bodyPr>
+          <a:lstStyle/>
+          <a:p>
+            <a:pPr algn="just">
+              <a:lnSpc>
+                <a:spcPct val="110000"/>
+              </a:lnSpc>
+            </a:pPr>
+            <a:r>
+              <a:rPr lang="es-CO" sz="1400" dirty="0"/>
+              <a:t>En la gráfica se observa que la variable más relevante si el empleado es de Norte América (</a:t>
+            </a:r>
+            <a:r>
+              <a:rPr lang="es-CO" sz="1400" b="1" dirty="0">
+                <a:solidFill>
+                  <a:schemeClr val="accent6"/>
+                </a:solidFill>
+              </a:rPr>
+              <a:t>nivel de ingresos más alto</a:t>
+            </a:r>
+            <a:r>
+              <a:rPr lang="es-CO" sz="1400" dirty="0"/>
+              <a:t>), con cerca del 35% del total de la contribución en el modelo.</a:t>
+            </a:r>
+          </a:p>
+          <a:p>
+            <a:pPr algn="just">
+              <a:lnSpc>
+                <a:spcPct val="110000"/>
+              </a:lnSpc>
+            </a:pPr>
+            <a:r>
+              <a:rPr lang="es-CO" sz="1400" dirty="0"/>
+              <a:t>Así mismo, la segunda variable más relevante es si el empleado pertenece al área de Data </a:t>
+            </a:r>
+            <a:r>
+              <a:rPr lang="es-CO" sz="1400" dirty="0" err="1"/>
+              <a:t>Analysis</a:t>
+            </a:r>
+            <a:r>
+              <a:rPr lang="es-CO" sz="1400" dirty="0"/>
+              <a:t> (</a:t>
+            </a:r>
+            <a:r>
+              <a:rPr lang="es-CO" sz="1400" b="1" dirty="0">
+                <a:solidFill>
+                  <a:schemeClr val="accent5">
+                    <a:lumMod val="75000"/>
+                  </a:schemeClr>
+                </a:solidFill>
+              </a:rPr>
+              <a:t>nivel de ingresos más bajo</a:t>
+            </a:r>
+            <a:r>
+              <a:rPr lang="es-CO" sz="1400" dirty="0"/>
+              <a:t>).</a:t>
+            </a:r>
+          </a:p>
+          <a:p>
+            <a:pPr algn="just">
+              <a:lnSpc>
+                <a:spcPct val="110000"/>
+              </a:lnSpc>
+            </a:pPr>
+            <a:r>
+              <a:rPr lang="es-CO" sz="1400" dirty="0"/>
+              <a:t>Se ve que conforme se tienen más datos el modelo deja de depender fuertemente de una única variable (ver detalle en Notebook).</a:t>
+            </a:r>
+          </a:p>
+        </p:txBody>
+      </p:sp>
+      <p:sp>
+        <p:nvSpPr>
+          <p:cNvPr id="8" name="Marcador de contenido 6">
+            <a:extLst>
+              <a:ext uri="{FF2B5EF4-FFF2-40B4-BE49-F238E27FC236}">
+                <a16:creationId xmlns:a16="http://schemas.microsoft.com/office/drawing/2014/main" id="{777C2A37-B2F2-626A-B4C5-9EEEB8A8C413}"/>
+              </a:ext>
+            </a:extLst>
+          </p:cNvPr>
+          <p:cNvSpPr txBox="1">
+            <a:spLocks/>
+          </p:cNvSpPr>
+          <p:nvPr/>
+        </p:nvSpPr>
+        <p:spPr>
+          <a:xfrm>
+            <a:off x="6413160" y="1723627"/>
+            <a:ext cx="5171102" cy="4515247"/>
+          </a:xfrm>
+          <a:prstGeom prst="rect">
+            <a:avLst/>
+          </a:prstGeom>
+        </p:spPr>
+        <p:txBody>
+          <a:bodyPr vert="horz" lIns="91440" tIns="45720" rIns="91440" bIns="45720" rtlCol="0">
+            <a:normAutofit fontScale="85000" lnSpcReduction="20000"/>
+          </a:bodyPr>
+          <a:lstStyle>
+            <a:lvl1pPr marL="228600" indent="-228600" algn="l" defTabSz="914400" rtl="0" eaLnBrk="1" latinLnBrk="0" hangingPunct="1">
+              <a:lnSpc>
+                <a:spcPct val="120000"/>
+              </a:lnSpc>
+              <a:spcBef>
+                <a:spcPts val="1000"/>
+              </a:spcBef>
+              <a:buSzPct val="87000"/>
+              <a:buFont typeface="Arial" panose="020B0604020202020204" pitchFamily="34" charset="0"/>
+              <a:buChar char="•"/>
+              <a:defRPr sz="2000" kern="1200">
+                <a:solidFill>
+                  <a:schemeClr val="tx1"/>
+                </a:solidFill>
+                <a:latin typeface="+mn-lt"/>
+                <a:ea typeface="+mn-ea"/>
+                <a:cs typeface="+mn-cs"/>
+              </a:defRPr>
+            </a:lvl1pPr>
+            <a:lvl2pPr marL="493776" indent="-228600" algn="l" defTabSz="914400" rtl="0" eaLnBrk="1" latinLnBrk="0" hangingPunct="1">
+              <a:lnSpc>
+                <a:spcPct val="120000"/>
+              </a:lnSpc>
+              <a:spcBef>
+                <a:spcPts val="500"/>
+              </a:spcBef>
+              <a:buSzPct val="87000"/>
+              <a:buFont typeface="Arial" panose="020B0604020202020204" pitchFamily="34" charset="0"/>
+              <a:buChar char="•"/>
+              <a:defRPr sz="1800" kern="1200">
+                <a:solidFill>
+                  <a:schemeClr val="tx1"/>
+                </a:solidFill>
+                <a:latin typeface="+mn-lt"/>
+                <a:ea typeface="+mn-ea"/>
+                <a:cs typeface="+mn-cs"/>
+              </a:defRPr>
+            </a:lvl2pPr>
+            <a:lvl3pPr marL="731520" indent="-228600" algn="l" defTabSz="914400" rtl="0" eaLnBrk="1" latinLnBrk="0" hangingPunct="1">
+              <a:lnSpc>
+                <a:spcPct val="120000"/>
+              </a:lnSpc>
+              <a:spcBef>
+                <a:spcPts val="500"/>
+              </a:spcBef>
+              <a:buSzPct val="87000"/>
+              <a:buFont typeface="Arial" panose="020B0604020202020204" pitchFamily="34" charset="0"/>
+              <a:buChar char="•"/>
+              <a:defRPr sz="1600" kern="1200">
+                <a:solidFill>
+                  <a:schemeClr val="tx1"/>
+                </a:solidFill>
+                <a:latin typeface="+mn-lt"/>
+                <a:ea typeface="+mn-ea"/>
+                <a:cs typeface="+mn-cs"/>
+              </a:defRPr>
+            </a:lvl3pPr>
+            <a:lvl4pPr marL="1051560" indent="-285750" algn="l" defTabSz="914400" rtl="0" eaLnBrk="1" latinLnBrk="0" hangingPunct="1">
+              <a:lnSpc>
+                <a:spcPct val="120000"/>
+              </a:lnSpc>
+              <a:spcBef>
+                <a:spcPts val="500"/>
+              </a:spcBef>
+              <a:buSzPct val="87000"/>
+              <a:buFont typeface="Arial" panose="020B0604020202020204" pitchFamily="34" charset="0"/>
+              <a:buChar char="•"/>
+              <a:defRPr sz="1400" kern="1200">
+                <a:solidFill>
+                  <a:schemeClr val="tx1"/>
+                </a:solidFill>
+                <a:latin typeface="+mn-lt"/>
+                <a:ea typeface="+mn-ea"/>
+                <a:cs typeface="+mn-cs"/>
+              </a:defRPr>
+            </a:lvl4pPr>
+            <a:lvl5pPr marL="1298448" indent="-228600" algn="l" defTabSz="914400" rtl="0" eaLnBrk="1" latinLnBrk="0" hangingPunct="1">
+              <a:lnSpc>
+                <a:spcPct val="120000"/>
+              </a:lnSpc>
+              <a:spcBef>
+                <a:spcPts val="500"/>
+              </a:spcBef>
+              <a:buSzPct val="87000"/>
+              <a:buFont typeface="Arial" panose="020B0604020202020204" pitchFamily="34" charset="0"/>
+              <a:buChar char="•"/>
+              <a:defRPr sz="1400" kern="1200">
+                <a:solidFill>
+                  <a:schemeClr val="tx1"/>
+                </a:solidFill>
+                <a:latin typeface="+mn-lt"/>
+                <a:ea typeface="+mn-ea"/>
+                <a:cs typeface="+mn-cs"/>
+              </a:defRPr>
+            </a:lvl5pPr>
+            <a:lvl6pPr marL="2514600" indent="-228600" algn="l" defTabSz="914400" rtl="0" eaLnBrk="1" latinLnBrk="0" hangingPunct="1">
+              <a:lnSpc>
+                <a:spcPct val="90000"/>
+              </a:lnSpc>
+              <a:spcBef>
+                <a:spcPts val="500"/>
+              </a:spcBef>
+              <a:buFont typeface="Arial" panose="020B0604020202020204" pitchFamily="34" charset="0"/>
+              <a:buChar char="•"/>
+              <a:defRPr sz="1800" kern="1200">
+                <a:solidFill>
+                  <a:schemeClr val="tx1"/>
+                </a:solidFill>
+                <a:latin typeface="+mn-lt"/>
+                <a:ea typeface="+mn-ea"/>
+                <a:cs typeface="+mn-cs"/>
+              </a:defRPr>
+            </a:lvl6pPr>
+            <a:lvl7pPr marL="2971800" indent="-228600" algn="l" defTabSz="914400" rtl="0" eaLnBrk="1" latinLnBrk="0" hangingPunct="1">
+              <a:lnSpc>
+                <a:spcPct val="90000"/>
+              </a:lnSpc>
+              <a:spcBef>
+                <a:spcPts val="500"/>
+              </a:spcBef>
+              <a:buFont typeface="Arial" panose="020B0604020202020204" pitchFamily="34" charset="0"/>
+              <a:buChar char="•"/>
+              <a:defRPr sz="1800" kern="1200">
+                <a:solidFill>
+                  <a:schemeClr val="tx1"/>
+                </a:solidFill>
+                <a:latin typeface="+mn-lt"/>
+                <a:ea typeface="+mn-ea"/>
+                <a:cs typeface="+mn-cs"/>
+              </a:defRPr>
+            </a:lvl7pPr>
+            <a:lvl8pPr marL="3429000" indent="-228600" algn="l" defTabSz="914400" rtl="0" eaLnBrk="1" latinLnBrk="0" hangingPunct="1">
+              <a:lnSpc>
+                <a:spcPct val="90000"/>
+              </a:lnSpc>
+              <a:spcBef>
+                <a:spcPts val="500"/>
+              </a:spcBef>
+              <a:buFont typeface="Arial" panose="020B0604020202020204" pitchFamily="34" charset="0"/>
+              <a:buChar char="•"/>
+              <a:defRPr sz="1800" kern="1200">
+                <a:solidFill>
+                  <a:schemeClr val="tx1"/>
+                </a:solidFill>
+                <a:latin typeface="+mn-lt"/>
+                <a:ea typeface="+mn-ea"/>
+                <a:cs typeface="+mn-cs"/>
+              </a:defRPr>
+            </a:lvl8pPr>
+            <a:lvl9pPr marL="3886200" indent="-228600" algn="l" defTabSz="914400" rtl="0" eaLnBrk="1" latinLnBrk="0" hangingPunct="1">
+              <a:lnSpc>
+                <a:spcPct val="90000"/>
+              </a:lnSpc>
+              <a:spcBef>
+                <a:spcPts val="500"/>
+              </a:spcBef>
+              <a:buFont typeface="Arial" panose="020B0604020202020204" pitchFamily="34" charset="0"/>
+              <a:buChar char="•"/>
+              <a:defRPr sz="1800" kern="1200">
+                <a:solidFill>
+                  <a:schemeClr val="tx1"/>
+                </a:solidFill>
+                <a:latin typeface="+mn-lt"/>
+                <a:ea typeface="+mn-ea"/>
+                <a:cs typeface="+mn-cs"/>
+              </a:defRPr>
+            </a:lvl9pPr>
+          </a:lstStyle>
+          <a:p>
+            <a:pPr algn="just"/>
+            <a:r>
+              <a:rPr lang="es-CO" dirty="0"/>
+              <a:t>El agente entrenado permite decidir que modelo se debería entrenar en cada iteración y en la mayoría de los casos es un modelo con buen desempeño.</a:t>
+            </a:r>
+          </a:p>
+          <a:p>
+            <a:pPr algn="just"/>
+            <a:r>
+              <a:rPr lang="es-CO" dirty="0"/>
+              <a:t>Este agente permite automatizar el flujo de trabajo para escenarios con alto flujo de datos y alto data </a:t>
+            </a:r>
+            <a:r>
+              <a:rPr lang="es-CO" dirty="0" err="1"/>
+              <a:t>drift</a:t>
+            </a:r>
+            <a:r>
+              <a:rPr lang="es-CO" dirty="0"/>
+              <a:t>, por lo que representa una alternativa para mantener el modelo actualizado.</a:t>
+            </a:r>
+          </a:p>
+          <a:p>
+            <a:pPr algn="just"/>
+            <a:r>
+              <a:rPr lang="es-CO" dirty="0"/>
+              <a:t>Se recomienda realizar mayor ingeniería de características y complementar con información macroeconómica para tener mejores predicciones.</a:t>
+            </a:r>
+          </a:p>
+          <a:p>
+            <a:pPr algn="just"/>
+            <a:r>
+              <a:rPr lang="es-CO" dirty="0"/>
+              <a:t>Probar con más acciones como preprocesamiento, modelos adicionales</a:t>
+            </a:r>
+            <a:r>
+              <a:rPr lang="es-ES" dirty="0"/>
+              <a:t>, otras observaciones y otras recompensas.</a:t>
+            </a:r>
             <a:endParaRPr lang="es-CO" dirty="0"/>
           </a:p>
         </p:txBody>
       </p:sp>
+      <p:pic>
+        <p:nvPicPr>
+          <p:cNvPr id="10" name="Imagen 9" descr="Gráfico&#10;&#10;El contenido generado por IA puede ser incorrecto.">
+            <a:extLst>
+              <a:ext uri="{FF2B5EF4-FFF2-40B4-BE49-F238E27FC236}">
+                <a16:creationId xmlns:a16="http://schemas.microsoft.com/office/drawing/2014/main" id="{7028DED7-7237-6AD2-03E3-3304DE5D5891}"/>
+              </a:ext>
+            </a:extLst>
+          </p:cNvPr>
+          <p:cNvPicPr>
+            <a:picLocks noChangeAspect="1"/>
+          </p:cNvPicPr>
+          <p:nvPr/>
+        </p:nvPicPr>
+        <p:blipFill>
+          <a:blip r:embed="rId3">
+            <a:extLst>
+              <a:ext uri="{28A0092B-C50C-407E-A947-70E740481C1C}">
+                <a14:useLocalDpi xmlns:a14="http://schemas.microsoft.com/office/drawing/2010/main" val="0"/>
+              </a:ext>
+            </a:extLst>
+          </a:blip>
+          <a:stretch>
+            <a:fillRect/>
+          </a:stretch>
+        </p:blipFill>
+        <p:spPr>
+          <a:xfrm>
+            <a:off x="472516" y="1404541"/>
+            <a:ext cx="5505295" cy="3284251"/>
+          </a:xfrm>
+          <a:prstGeom prst="rect">
+            <a:avLst/>
+          </a:prstGeom>
+        </p:spPr>
+      </p:pic>
     </p:spTree>
     <p:extLst>
       <p:ext uri="{BB962C8B-B14F-4D97-AF65-F5344CB8AC3E}">
@@ -9337,4 +10945,319 @@
     </a:ext>
   </a:extLst>
 </a:theme>
+</file>
+
+<file path=ppt/theme/theme2.xml><?xml version="1.0" encoding="utf-8"?>
+<a:theme xmlns:a="http://schemas.openxmlformats.org/drawingml/2006/main" name="Tema de Office">
+  <a:themeElements>
+    <a:clrScheme name="Office">
+      <a:dk1>
+        <a:sysClr val="windowText" lastClr="000000"/>
+      </a:dk1>
+      <a:lt1>
+        <a:sysClr val="window" lastClr="FFFFFF"/>
+      </a:lt1>
+      <a:dk2>
+        <a:srgbClr val="0E2841"/>
+      </a:dk2>
+      <a:lt2>
+        <a:srgbClr val="E8E8E8"/>
+      </a:lt2>
+      <a:accent1>
+        <a:srgbClr val="156082"/>
+      </a:accent1>
+      <a:accent2>
+        <a:srgbClr val="E97132"/>
+      </a:accent2>
+      <a:accent3>
+        <a:srgbClr val="196B24"/>
+      </a:accent3>
+      <a:accent4>
+        <a:srgbClr val="0F9ED5"/>
+      </a:accent4>
+      <a:accent5>
+        <a:srgbClr val="A02B93"/>
+      </a:accent5>
+      <a:accent6>
+        <a:srgbClr val="4EA72E"/>
+      </a:accent6>
+      <a:hlink>
+        <a:srgbClr val="467886"/>
+      </a:hlink>
+      <a:folHlink>
+        <a:srgbClr val="96607D"/>
+      </a:folHlink>
+    </a:clrScheme>
+    <a:fontScheme name="Office">
+      <a:majorFont>
+        <a:latin typeface="Aptos Display" panose="02110004020202020204"/>
+        <a:ea typeface=""/>
+        <a:cs typeface=""/>
+        <a:font script="Jpan" typeface="游ゴシック Light"/>
+        <a:font script="Hang" typeface="맑은 고딕"/>
+        <a:font script="Hans" typeface="等线 Light"/>
+        <a:font script="Hant" typeface="新細明體"/>
+        <a:font script="Arab" typeface="Times New Roman"/>
+        <a:font script="Hebr" typeface="Times New Roman"/>
+        <a:font script="Thai" typeface="Angsana New"/>
+        <a:font script="Ethi" typeface="Nyala"/>
+        <a:font script="Beng" typeface="Vrinda"/>
+        <a:font script="Gujr" typeface="Shruti"/>
+        <a:font script="Khmr" typeface="MoolBoran"/>
+        <a:font script="Knda" typeface="Tunga"/>
+        <a:font script="Guru" typeface="Raavi"/>
+        <a:font script="Cans" typeface="Euphemia"/>
+        <a:font script="Cher" typeface="Plantagenet Cherokee"/>
+        <a:font script="Yiii" typeface="Microsoft Yi Baiti"/>
+        <a:font script="Tibt" typeface="Microsoft Himalaya"/>
+        <a:font script="Thaa" typeface="MV Boli"/>
+        <a:font script="Deva" typeface="Mangal"/>
+        <a:font script="Telu" typeface="Gautami"/>
+        <a:font script="Taml" typeface="Latha"/>
+        <a:font script="Syrc" typeface="Estrangelo Edessa"/>
+        <a:font script="Orya" typeface="Kalinga"/>
+        <a:font script="Mlym" typeface="Kartika"/>
+        <a:font script="Laoo" typeface="DokChampa"/>
+        <a:font script="Sinh" typeface="Iskoola Pota"/>
+        <a:font script="Mong" typeface="Mongolian Baiti"/>
+        <a:font script="Viet" typeface="Times New Roman"/>
+        <a:font script="Uigh" typeface="Microsoft Uighur"/>
+        <a:font script="Geor" typeface="Sylfaen"/>
+        <a:font script="Armn" typeface="Arial"/>
+        <a:font script="Bugi" typeface="Leelawadee UI"/>
+        <a:font script="Bopo" typeface="Microsoft JhengHei"/>
+        <a:font script="Java" typeface="Javanese Text"/>
+        <a:font script="Lisu" typeface="Segoe UI"/>
+        <a:font script="Mymr" typeface="Myanmar Text"/>
+        <a:font script="Nkoo" typeface="Ebrima"/>
+        <a:font script="Olck" typeface="Nirmala UI"/>
+        <a:font script="Osma" typeface="Ebrima"/>
+        <a:font script="Phag" typeface="Phagspa"/>
+        <a:font script="Syrn" typeface="Estrangelo Edessa"/>
+        <a:font script="Syrj" typeface="Estrangelo Edessa"/>
+        <a:font script="Syre" typeface="Estrangelo Edessa"/>
+        <a:font script="Sora" typeface="Nirmala UI"/>
+        <a:font script="Tale" typeface="Microsoft Tai Le"/>
+        <a:font script="Talu" typeface="Microsoft New Tai Lue"/>
+        <a:font script="Tfng" typeface="Ebrima"/>
+      </a:majorFont>
+      <a:minorFont>
+        <a:latin typeface="Aptos" panose="02110004020202020204"/>
+        <a:ea typeface=""/>
+        <a:cs typeface=""/>
+        <a:font script="Jpan" typeface="游ゴシック"/>
+        <a:font script="Hang" typeface="맑은 고딕"/>
+        <a:font script="Hans" typeface="等线"/>
+        <a:font script="Hant" typeface="新細明體"/>
+        <a:font script="Arab" typeface="Arial"/>
+        <a:font script="Hebr" typeface="Arial"/>
+        <a:font script="Thai" typeface="Cordia New"/>
+        <a:font script="Ethi" typeface="Nyala"/>
+        <a:font script="Beng" typeface="Vrinda"/>
+        <a:font script="Gujr" typeface="Shruti"/>
+        <a:font script="Khmr" typeface="DaunPenh"/>
+        <a:font script="Knda" typeface="Tunga"/>
+        <a:font script="Guru" typeface="Raavi"/>
+        <a:font script="Cans" typeface="Euphemia"/>
+        <a:font script="Cher" typeface="Plantagenet Cherokee"/>
+        <a:font script="Yiii" typeface="Microsoft Yi Baiti"/>
+        <a:font script="Tibt" typeface="Microsoft Himalaya"/>
+        <a:font script="Thaa" typeface="MV Boli"/>
+        <a:font script="Deva" typeface="Mangal"/>
+        <a:font script="Telu" typeface="Gautami"/>
+        <a:font script="Taml" typeface="Latha"/>
+        <a:font script="Syrc" typeface="Estrangelo Edessa"/>
+        <a:font script="Orya" typeface="Kalinga"/>
+        <a:font script="Mlym" typeface="Kartika"/>
+        <a:font script="Laoo" typeface="DokChampa"/>
+        <a:font script="Sinh" typeface="Iskoola Pota"/>
+        <a:font script="Mong" typeface="Mongolian Baiti"/>
+        <a:font script="Viet" typeface="Arial"/>
+        <a:font script="Uigh" typeface="Microsoft Uighur"/>
+        <a:font script="Geor" typeface="Sylfaen"/>
+        <a:font script="Armn" typeface="Arial"/>
+        <a:font script="Bugi" typeface="Leelawadee UI"/>
+        <a:font script="Bopo" typeface="Microsoft JhengHei"/>
+        <a:font script="Java" typeface="Javanese Text"/>
+        <a:font script="Lisu" typeface="Segoe UI"/>
+        <a:font script="Mymr" typeface="Myanmar Text"/>
+        <a:font script="Nkoo" typeface="Ebrima"/>
+        <a:font script="Olck" typeface="Nirmala UI"/>
+        <a:font script="Osma" typeface="Ebrima"/>
+        <a:font script="Phag" typeface="Phagspa"/>
+        <a:font script="Syrn" typeface="Estrangelo Edessa"/>
+        <a:font script="Syrj" typeface="Estrangelo Edessa"/>
+        <a:font script="Syre" typeface="Estrangelo Edessa"/>
+        <a:font script="Sora" typeface="Nirmala UI"/>
+        <a:font script="Tale" typeface="Microsoft Tai Le"/>
+        <a:font script="Talu" typeface="Microsoft New Tai Lue"/>
+        <a:font script="Tfng" typeface="Ebrima"/>
+      </a:minorFont>
+    </a:fontScheme>
+    <a:fmtScheme name="Office">
+      <a:fillStyleLst>
+        <a:solidFill>
+          <a:schemeClr val="phClr"/>
+        </a:solidFill>
+        <a:gradFill rotWithShape="1">
+          <a:gsLst>
+            <a:gs pos="0">
+              <a:schemeClr val="phClr">
+                <a:lumMod val="110000"/>
+                <a:satMod val="105000"/>
+                <a:tint val="67000"/>
+              </a:schemeClr>
+            </a:gs>
+            <a:gs pos="50000">
+              <a:schemeClr val="phClr">
+                <a:lumMod val="105000"/>
+                <a:satMod val="103000"/>
+                <a:tint val="73000"/>
+              </a:schemeClr>
+            </a:gs>
+            <a:gs pos="100000">
+              <a:schemeClr val="phClr">
+                <a:lumMod val="105000"/>
+                <a:satMod val="109000"/>
+                <a:tint val="81000"/>
+              </a:schemeClr>
+            </a:gs>
+          </a:gsLst>
+          <a:lin ang="5400000" scaled="0"/>
+        </a:gradFill>
+        <a:gradFill rotWithShape="1">
+          <a:gsLst>
+            <a:gs pos="0">
+              <a:schemeClr val="phClr">
+                <a:satMod val="103000"/>
+                <a:lumMod val="102000"/>
+                <a:tint val="94000"/>
+              </a:schemeClr>
+            </a:gs>
+            <a:gs pos="50000">
+              <a:schemeClr val="phClr">
+                <a:satMod val="110000"/>
+                <a:lumMod val="100000"/>
+                <a:shade val="100000"/>
+              </a:schemeClr>
+            </a:gs>
+            <a:gs pos="100000">
+              <a:schemeClr val="phClr">
+                <a:lumMod val="99000"/>
+                <a:satMod val="120000"/>
+                <a:shade val="78000"/>
+              </a:schemeClr>
+            </a:gs>
+          </a:gsLst>
+          <a:lin ang="5400000" scaled="0"/>
+        </a:gradFill>
+      </a:fillStyleLst>
+      <a:lnStyleLst>
+        <a:ln w="12700" cap="flat" cmpd="sng" algn="ctr">
+          <a:solidFill>
+            <a:schemeClr val="phClr"/>
+          </a:solidFill>
+          <a:prstDash val="solid"/>
+          <a:miter lim="800000"/>
+        </a:ln>
+        <a:ln w="19050" cap="flat" cmpd="sng" algn="ctr">
+          <a:solidFill>
+            <a:schemeClr val="phClr"/>
+          </a:solidFill>
+          <a:prstDash val="solid"/>
+          <a:miter lim="800000"/>
+        </a:ln>
+        <a:ln w="25400" cap="flat" cmpd="sng" algn="ctr">
+          <a:solidFill>
+            <a:schemeClr val="phClr"/>
+          </a:solidFill>
+          <a:prstDash val="solid"/>
+          <a:miter lim="800000"/>
+        </a:ln>
+      </a:lnStyleLst>
+      <a:effectStyleLst>
+        <a:effectStyle>
+          <a:effectLst/>
+        </a:effectStyle>
+        <a:effectStyle>
+          <a:effectLst/>
+        </a:effectStyle>
+        <a:effectStyle>
+          <a:effectLst>
+            <a:outerShdw blurRad="57150" dist="19050" dir="5400000" algn="ctr" rotWithShape="0">
+              <a:srgbClr val="000000">
+                <a:alpha val="63000"/>
+              </a:srgbClr>
+            </a:outerShdw>
+          </a:effectLst>
+        </a:effectStyle>
+      </a:effectStyleLst>
+      <a:bgFillStyleLst>
+        <a:solidFill>
+          <a:schemeClr val="phClr"/>
+        </a:solidFill>
+        <a:solidFill>
+          <a:schemeClr val="phClr">
+            <a:tint val="95000"/>
+            <a:satMod val="170000"/>
+          </a:schemeClr>
+        </a:solidFill>
+        <a:gradFill rotWithShape="1">
+          <a:gsLst>
+            <a:gs pos="0">
+              <a:schemeClr val="phClr">
+                <a:tint val="93000"/>
+                <a:satMod val="150000"/>
+                <a:shade val="98000"/>
+                <a:lumMod val="102000"/>
+              </a:schemeClr>
+            </a:gs>
+            <a:gs pos="50000">
+              <a:schemeClr val="phClr">
+                <a:tint val="98000"/>
+                <a:satMod val="130000"/>
+                <a:shade val="90000"/>
+                <a:lumMod val="103000"/>
+              </a:schemeClr>
+            </a:gs>
+            <a:gs pos="100000">
+              <a:schemeClr val="phClr">
+                <a:shade val="63000"/>
+                <a:satMod val="120000"/>
+              </a:schemeClr>
+            </a:gs>
+          </a:gsLst>
+          <a:lin ang="5400000" scaled="0"/>
+        </a:gradFill>
+      </a:bgFillStyleLst>
+    </a:fmtScheme>
+  </a:themeElements>
+  <a:objectDefaults>
+    <a:lnDef>
+      <a:spPr/>
+      <a:bodyPr/>
+      <a:lstStyle/>
+      <a:style>
+        <a:lnRef idx="2">
+          <a:schemeClr val="accent1"/>
+        </a:lnRef>
+        <a:fillRef idx="0">
+          <a:schemeClr val="accent1"/>
+        </a:fillRef>
+        <a:effectRef idx="1">
+          <a:schemeClr val="accent1"/>
+        </a:effectRef>
+        <a:fontRef idx="minor">
+          <a:schemeClr val="tx1"/>
+        </a:fontRef>
+      </a:style>
+    </a:lnDef>
+  </a:objectDefaults>
+  <a:extraClrSchemeLst/>
+  <a:extLst>
+    <a:ext uri="{05A4C25C-085E-4340-85A3-A5531E510DB2}">
+      <thm15:themeFamily xmlns:thm15="http://schemas.microsoft.com/office/thememl/2012/main" name="Office Theme" id="{2E142A2C-CD16-42D6-873A-C26D2A0506FA}" vid="{1BDDFF52-6CD6-40A5-AB3C-68EB2F1E4D0A}"/>
+    </a:ext>
+  </a:extLst>
+</a:theme>
 </file>